--- a/unessay.pptx
+++ b/unessay.pptx
@@ -235,7 +235,7 @@
           <a:p>
             <a:fld id="{280BDB37-1AAF-4BE5-B64C-845493D56084}" type="datetimeFigureOut">
               <a:rPr lang="zh-CN" altLang="en-US" smtClean="0"/>
-              <a:t>2020/12/1</a:t>
+              <a:t>2020/12/5</a:t>
             </a:fld>
             <a:endParaRPr lang="zh-CN" altLang="en-US"/>
           </a:p>
@@ -2239,7 +2239,7 @@
           <a:p>
             <a:fld id="{1FABB6DF-9E5C-4DE0-BA79-ED2A3450241C}" type="datetimeFigureOut">
               <a:rPr lang="zh-CN" altLang="en-US" smtClean="0"/>
-              <a:t>2020/12/1</a:t>
+              <a:t>2020/12/5</a:t>
             </a:fld>
             <a:endParaRPr lang="zh-CN" altLang="en-US"/>
           </a:p>
@@ -2437,7 +2437,7 @@
           <a:p>
             <a:fld id="{1FABB6DF-9E5C-4DE0-BA79-ED2A3450241C}" type="datetimeFigureOut">
               <a:rPr lang="zh-CN" altLang="en-US" smtClean="0"/>
-              <a:t>2020/12/1</a:t>
+              <a:t>2020/12/5</a:t>
             </a:fld>
             <a:endParaRPr lang="zh-CN" altLang="en-US"/>
           </a:p>
@@ -2645,7 +2645,7 @@
           <a:p>
             <a:fld id="{1FABB6DF-9E5C-4DE0-BA79-ED2A3450241C}" type="datetimeFigureOut">
               <a:rPr lang="zh-CN" altLang="en-US" smtClean="0"/>
-              <a:t>2020/12/1</a:t>
+              <a:t>2020/12/5</a:t>
             </a:fld>
             <a:endParaRPr lang="zh-CN" altLang="en-US"/>
           </a:p>
@@ -6039,7 +6039,7 @@
           <a:p>
             <a:fld id="{1FABB6DF-9E5C-4DE0-BA79-ED2A3450241C}" type="datetimeFigureOut">
               <a:rPr lang="zh-CN" altLang="en-US" smtClean="0"/>
-              <a:t>2020/12/1</a:t>
+              <a:t>2020/12/5</a:t>
             </a:fld>
             <a:endParaRPr lang="zh-CN" altLang="en-US"/>
           </a:p>
@@ -6314,7 +6314,7 @@
           <a:p>
             <a:fld id="{1FABB6DF-9E5C-4DE0-BA79-ED2A3450241C}" type="datetimeFigureOut">
               <a:rPr lang="zh-CN" altLang="en-US" smtClean="0"/>
-              <a:t>2020/12/1</a:t>
+              <a:t>2020/12/5</a:t>
             </a:fld>
             <a:endParaRPr lang="zh-CN" altLang="en-US"/>
           </a:p>
@@ -6579,7 +6579,7 @@
           <a:p>
             <a:fld id="{1FABB6DF-9E5C-4DE0-BA79-ED2A3450241C}" type="datetimeFigureOut">
               <a:rPr lang="zh-CN" altLang="en-US" smtClean="0"/>
-              <a:t>2020/12/1</a:t>
+              <a:t>2020/12/5</a:t>
             </a:fld>
             <a:endParaRPr lang="zh-CN" altLang="en-US"/>
           </a:p>
@@ -6991,7 +6991,7 @@
           <a:p>
             <a:fld id="{1FABB6DF-9E5C-4DE0-BA79-ED2A3450241C}" type="datetimeFigureOut">
               <a:rPr lang="zh-CN" altLang="en-US" smtClean="0"/>
-              <a:t>2020/12/1</a:t>
+              <a:t>2020/12/5</a:t>
             </a:fld>
             <a:endParaRPr lang="zh-CN" altLang="en-US"/>
           </a:p>
@@ -7132,7 +7132,7 @@
           <a:p>
             <a:fld id="{1FABB6DF-9E5C-4DE0-BA79-ED2A3450241C}" type="datetimeFigureOut">
               <a:rPr lang="zh-CN" altLang="en-US" smtClean="0"/>
-              <a:t>2020/12/1</a:t>
+              <a:t>2020/12/5</a:t>
             </a:fld>
             <a:endParaRPr lang="zh-CN" altLang="en-US"/>
           </a:p>
@@ -7245,7 +7245,7 @@
           <a:p>
             <a:fld id="{1FABB6DF-9E5C-4DE0-BA79-ED2A3450241C}" type="datetimeFigureOut">
               <a:rPr lang="zh-CN" altLang="en-US" smtClean="0"/>
-              <a:t>2020/12/1</a:t>
+              <a:t>2020/12/5</a:t>
             </a:fld>
             <a:endParaRPr lang="zh-CN" altLang="en-US"/>
           </a:p>
@@ -7556,7 +7556,7 @@
           <a:p>
             <a:fld id="{1FABB6DF-9E5C-4DE0-BA79-ED2A3450241C}" type="datetimeFigureOut">
               <a:rPr lang="zh-CN" altLang="en-US" smtClean="0"/>
-              <a:t>2020/12/1</a:t>
+              <a:t>2020/12/5</a:t>
             </a:fld>
             <a:endParaRPr lang="zh-CN" altLang="en-US"/>
           </a:p>
@@ -7844,7 +7844,7 @@
           <a:p>
             <a:fld id="{1FABB6DF-9E5C-4DE0-BA79-ED2A3450241C}" type="datetimeFigureOut">
               <a:rPr lang="zh-CN" altLang="en-US" smtClean="0"/>
-              <a:t>2020/12/1</a:t>
+              <a:t>2020/12/5</a:t>
             </a:fld>
             <a:endParaRPr lang="zh-CN" altLang="en-US"/>
           </a:p>
@@ -8085,7 +8085,7 @@
           <a:p>
             <a:fld id="{1FABB6DF-9E5C-4DE0-BA79-ED2A3450241C}" type="datetimeFigureOut">
               <a:rPr lang="zh-CN" altLang="en-US" smtClean="0"/>
-              <a:t>2020/12/1</a:t>
+              <a:t>2020/12/5</a:t>
             </a:fld>
             <a:endParaRPr lang="zh-CN" altLang="en-US"/>
           </a:p>
@@ -30033,29 +30033,42 @@
           </a:p>
         </p:txBody>
       </p:sp>
-      <p:sp>
-        <p:nvSpPr>
-          <p:cNvPr id="31" name="图片占位符 30">
+      <p:pic>
+        <p:nvPicPr>
+          <p:cNvPr id="3" name="图片占位符 2" descr="图形用户界面, 应用程序, Word&#10;&#10;描述已自动生成">
             <a:extLst>
               <a:ext uri="{FF2B5EF4-FFF2-40B4-BE49-F238E27FC236}">
-                <a16:creationId xmlns:a16="http://schemas.microsoft.com/office/drawing/2014/main" id="{CC1BD6F6-5B45-46CD-BE11-39544739394F}"/>
+                <a16:creationId xmlns:a16="http://schemas.microsoft.com/office/drawing/2014/main" id="{2E569930-21BD-4556-9141-CAADF7C7CF1A}"/>
               </a:ext>
             </a:extLst>
           </p:cNvPr>
-          <p:cNvSpPr>
-            <a:spLocks noGrp="1"/>
-          </p:cNvSpPr>
+          <p:cNvPicPr>
+            <a:picLocks noGrp="1" noChangeAspect="1"/>
+          </p:cNvPicPr>
           <p:nvPr>
             <p:ph type="pic" sz="quarter" idx="11"/>
           </p:nvPr>
-        </p:nvSpPr>
+        </p:nvPicPr>
+        <p:blipFill>
+          <a:blip r:embed="rId5">
+            <a:extLst>
+              <a:ext uri="{28A0092B-C50C-407E-A947-70E740481C1C}">
+                <a14:useLocalDpi xmlns:a14="http://schemas.microsoft.com/office/drawing/2010/main" val="0"/>
+              </a:ext>
+            </a:extLst>
+          </a:blip>
+          <a:srcRect l="21720" r="21720"/>
+          <a:stretch>
+            <a:fillRect/>
+          </a:stretch>
+        </p:blipFill>
         <p:spPr>
           <a:xfrm>
-            <a:off x="6096000" y="1859051"/>
+            <a:off x="6096000" y="1873250"/>
             <a:ext cx="4425950" cy="2794000"/>
           </a:xfrm>
         </p:spPr>
-      </p:sp>
+      </p:pic>
     </p:spTree>
     <p:extLst>
       <p:ext uri="{BB962C8B-B14F-4D97-AF65-F5344CB8AC3E}">
@@ -44901,21 +44914,6 @@
 </file>
 
 <file path=customXml/item1.xml><?xml version="1.0" encoding="utf-8"?>
-<p:properties xmlns:p="http://schemas.microsoft.com/office/2006/metadata/properties" xmlns:xsi="http://www.w3.org/2001/XMLSchema-instance" xmlns:pc="http://schemas.microsoft.com/office/infopath/2007/PartnerControls">
-  <documentManagement/>
-</p:properties>
-</file>
-
-<file path=customXml/item2.xml><?xml version="1.0" encoding="utf-8"?>
-<?mso-contentType ?>
-<FormTemplates xmlns="http://schemas.microsoft.com/sharepoint/v3/contenttype/forms">
-  <Display>DocumentLibraryForm</Display>
-  <Edit>DocumentLibraryForm</Edit>
-  <New>DocumentLibraryForm</New>
-</FormTemplates>
-</file>
-
-<file path=customXml/item3.xml><?xml version="1.0" encoding="utf-8"?>
 <ct:contentTypeSchema xmlns:ct="http://schemas.microsoft.com/office/2006/metadata/contentType" xmlns:ma="http://schemas.microsoft.com/office/2006/metadata/properties/metaAttributes" ct:_="" ma:_="" ma:contentTypeName="Document" ma:contentTypeID="0x010100F194C9C780C4C040AE6C89772A3DC744" ma:contentTypeVersion="12" ma:contentTypeDescription="Create a new document." ma:contentTypeScope="" ma:versionID="1f8658d842370b7a8a04820b529ee78f">
   <xsd:schema xmlns:xsd="http://www.w3.org/2001/XMLSchema" xmlns:xs="http://www.w3.org/2001/XMLSchema" xmlns:p="http://schemas.microsoft.com/office/2006/metadata/properties" xmlns:ns3="e9c330ea-02ed-40ee-9672-80ec4d94c78d" xmlns:ns4="86e43e0c-8ac5-4040-99bd-c6dd6bd14735" targetNamespace="http://schemas.microsoft.com/office/2006/metadata/properties" ma:root="true" ma:fieldsID="11205be41cf5423173d875af66b3c4ef" ns3:_="" ns4:_="">
     <xsd:import namespace="e9c330ea-02ed-40ee-9672-80ec4d94c78d"/>
@@ -45132,32 +45130,22 @@
 </ct:contentTypeSchema>
 </file>
 
-<file path=customXml/itemProps1.xml><?xml version="1.0" encoding="utf-8"?>
-<ds:datastoreItem xmlns:ds="http://schemas.openxmlformats.org/officeDocument/2006/customXml" ds:itemID="{328C3344-E5FD-4F86-B5CA-4D6A47BEA1B5}">
-  <ds:schemaRefs>
-    <ds:schemaRef ds:uri="http://schemas.microsoft.com/office/2006/documentManagement/types"/>
-    <ds:schemaRef ds:uri="http://schemas.microsoft.com/office/infopath/2007/PartnerControls"/>
-    <ds:schemaRef ds:uri="http://purl.org/dc/elements/1.1/"/>
-    <ds:schemaRef ds:uri="http://schemas.microsoft.com/office/2006/metadata/properties"/>
-    <ds:schemaRef ds:uri="http://purl.org/dc/terms/"/>
-    <ds:schemaRef ds:uri="e9c330ea-02ed-40ee-9672-80ec4d94c78d"/>
-    <ds:schemaRef ds:uri="http://schemas.openxmlformats.org/package/2006/metadata/core-properties"/>
-    <ds:schemaRef ds:uri="86e43e0c-8ac5-4040-99bd-c6dd6bd14735"/>
-    <ds:schemaRef ds:uri="http://www.w3.org/XML/1998/namespace"/>
-    <ds:schemaRef ds:uri="http://purl.org/dc/dcmitype/"/>
-  </ds:schemaRefs>
-</ds:datastoreItem>
+<file path=customXml/item2.xml><?xml version="1.0" encoding="utf-8"?>
+<?mso-contentType ?>
+<FormTemplates xmlns="http://schemas.microsoft.com/sharepoint/v3/contenttype/forms">
+  <Display>DocumentLibraryForm</Display>
+  <Edit>DocumentLibraryForm</Edit>
+  <New>DocumentLibraryForm</New>
+</FormTemplates>
 </file>
 
-<file path=customXml/itemProps2.xml><?xml version="1.0" encoding="utf-8"?>
-<ds:datastoreItem xmlns:ds="http://schemas.openxmlformats.org/officeDocument/2006/customXml" ds:itemID="{26AB3EF0-DDAD-4CCD-A86C-71FE9129189D}">
-  <ds:schemaRefs>
-    <ds:schemaRef ds:uri="http://schemas.microsoft.com/sharepoint/v3/contenttype/forms"/>
-  </ds:schemaRefs>
-</ds:datastoreItem>
+<file path=customXml/item3.xml><?xml version="1.0" encoding="utf-8"?>
+<p:properties xmlns:p="http://schemas.microsoft.com/office/2006/metadata/properties" xmlns:xsi="http://www.w3.org/2001/XMLSchema-instance" xmlns:pc="http://schemas.microsoft.com/office/infopath/2007/PartnerControls">
+  <documentManagement/>
+</p:properties>
 </file>
 
-<file path=customXml/itemProps3.xml><?xml version="1.0" encoding="utf-8"?>
+<file path=customXml/itemProps1.xml><?xml version="1.0" encoding="utf-8"?>
 <ds:datastoreItem xmlns:ds="http://schemas.openxmlformats.org/officeDocument/2006/customXml" ds:itemID="{CB401B74-2FDA-40C8-AC26-0D7DC32BD2F2}">
   <ds:schemaRefs>
     <ds:schemaRef ds:uri="http://schemas.microsoft.com/office/2006/metadata/contentType"/>
@@ -45174,4 +45162,29 @@
     <ds:schemaRef ds:uri="http://schemas.microsoft.com/internal/obd"/>
   </ds:schemaRefs>
 </ds:datastoreItem>
+</file>
+
+<file path=customXml/itemProps2.xml><?xml version="1.0" encoding="utf-8"?>
+<ds:datastoreItem xmlns:ds="http://schemas.openxmlformats.org/officeDocument/2006/customXml" ds:itemID="{26AB3EF0-DDAD-4CCD-A86C-71FE9129189D}">
+  <ds:schemaRefs>
+    <ds:schemaRef ds:uri="http://schemas.microsoft.com/sharepoint/v3/contenttype/forms"/>
+  </ds:schemaRefs>
+</ds:datastoreItem>
+</file>
+
+<file path=customXml/itemProps3.xml><?xml version="1.0" encoding="utf-8"?>
+<ds:datastoreItem xmlns:ds="http://schemas.openxmlformats.org/officeDocument/2006/customXml" ds:itemID="{328C3344-E5FD-4F86-B5CA-4D6A47BEA1B5}">
+  <ds:schemaRefs>
+    <ds:schemaRef ds:uri="http://schemas.microsoft.com/office/2006/documentManagement/types"/>
+    <ds:schemaRef ds:uri="http://schemas.microsoft.com/office/infopath/2007/PartnerControls"/>
+    <ds:schemaRef ds:uri="http://purl.org/dc/elements/1.1/"/>
+    <ds:schemaRef ds:uri="http://schemas.microsoft.com/office/2006/metadata/properties"/>
+    <ds:schemaRef ds:uri="http://purl.org/dc/terms/"/>
+    <ds:schemaRef ds:uri="e9c330ea-02ed-40ee-9672-80ec4d94c78d"/>
+    <ds:schemaRef ds:uri="http://schemas.openxmlformats.org/package/2006/metadata/core-properties"/>
+    <ds:schemaRef ds:uri="86e43e0c-8ac5-4040-99bd-c6dd6bd14735"/>
+    <ds:schemaRef ds:uri="http://www.w3.org/XML/1998/namespace"/>
+    <ds:schemaRef ds:uri="http://purl.org/dc/dcmitype/"/>
+  </ds:schemaRefs>
+</ds:datastoreItem>
 </file>
--- a/unessay.pptx
+++ b/unessay.pptx
@@ -235,7 +235,7 @@
           <a:p>
             <a:fld id="{280BDB37-1AAF-4BE5-B64C-845493D56084}" type="datetimeFigureOut">
               <a:rPr lang="zh-CN" altLang="en-US" smtClean="0"/>
-              <a:t>2020/12/5</a:t>
+              <a:t>2020/12/6</a:t>
             </a:fld>
             <a:endParaRPr lang="zh-CN" altLang="en-US"/>
           </a:p>
@@ -2239,7 +2239,7 @@
           <a:p>
             <a:fld id="{1FABB6DF-9E5C-4DE0-BA79-ED2A3450241C}" type="datetimeFigureOut">
               <a:rPr lang="zh-CN" altLang="en-US" smtClean="0"/>
-              <a:t>2020/12/5</a:t>
+              <a:t>2020/12/6</a:t>
             </a:fld>
             <a:endParaRPr lang="zh-CN" altLang="en-US"/>
           </a:p>
@@ -2437,7 +2437,7 @@
           <a:p>
             <a:fld id="{1FABB6DF-9E5C-4DE0-BA79-ED2A3450241C}" type="datetimeFigureOut">
               <a:rPr lang="zh-CN" altLang="en-US" smtClean="0"/>
-              <a:t>2020/12/5</a:t>
+              <a:t>2020/12/6</a:t>
             </a:fld>
             <a:endParaRPr lang="zh-CN" altLang="en-US"/>
           </a:p>
@@ -2645,7 +2645,7 @@
           <a:p>
             <a:fld id="{1FABB6DF-9E5C-4DE0-BA79-ED2A3450241C}" type="datetimeFigureOut">
               <a:rPr lang="zh-CN" altLang="en-US" smtClean="0"/>
-              <a:t>2020/12/5</a:t>
+              <a:t>2020/12/6</a:t>
             </a:fld>
             <a:endParaRPr lang="zh-CN" altLang="en-US"/>
           </a:p>
@@ -6039,7 +6039,7 @@
           <a:p>
             <a:fld id="{1FABB6DF-9E5C-4DE0-BA79-ED2A3450241C}" type="datetimeFigureOut">
               <a:rPr lang="zh-CN" altLang="en-US" smtClean="0"/>
-              <a:t>2020/12/5</a:t>
+              <a:t>2020/12/6</a:t>
             </a:fld>
             <a:endParaRPr lang="zh-CN" altLang="en-US"/>
           </a:p>
@@ -6314,7 +6314,7 @@
           <a:p>
             <a:fld id="{1FABB6DF-9E5C-4DE0-BA79-ED2A3450241C}" type="datetimeFigureOut">
               <a:rPr lang="zh-CN" altLang="en-US" smtClean="0"/>
-              <a:t>2020/12/5</a:t>
+              <a:t>2020/12/6</a:t>
             </a:fld>
             <a:endParaRPr lang="zh-CN" altLang="en-US"/>
           </a:p>
@@ -6579,7 +6579,7 @@
           <a:p>
             <a:fld id="{1FABB6DF-9E5C-4DE0-BA79-ED2A3450241C}" type="datetimeFigureOut">
               <a:rPr lang="zh-CN" altLang="en-US" smtClean="0"/>
-              <a:t>2020/12/5</a:t>
+              <a:t>2020/12/6</a:t>
             </a:fld>
             <a:endParaRPr lang="zh-CN" altLang="en-US"/>
           </a:p>
@@ -6991,7 +6991,7 @@
           <a:p>
             <a:fld id="{1FABB6DF-9E5C-4DE0-BA79-ED2A3450241C}" type="datetimeFigureOut">
               <a:rPr lang="zh-CN" altLang="en-US" smtClean="0"/>
-              <a:t>2020/12/5</a:t>
+              <a:t>2020/12/6</a:t>
             </a:fld>
             <a:endParaRPr lang="zh-CN" altLang="en-US"/>
           </a:p>
@@ -7132,7 +7132,7 @@
           <a:p>
             <a:fld id="{1FABB6DF-9E5C-4DE0-BA79-ED2A3450241C}" type="datetimeFigureOut">
               <a:rPr lang="zh-CN" altLang="en-US" smtClean="0"/>
-              <a:t>2020/12/5</a:t>
+              <a:t>2020/12/6</a:t>
             </a:fld>
             <a:endParaRPr lang="zh-CN" altLang="en-US"/>
           </a:p>
@@ -7245,7 +7245,7 @@
           <a:p>
             <a:fld id="{1FABB6DF-9E5C-4DE0-BA79-ED2A3450241C}" type="datetimeFigureOut">
               <a:rPr lang="zh-CN" altLang="en-US" smtClean="0"/>
-              <a:t>2020/12/5</a:t>
+              <a:t>2020/12/6</a:t>
             </a:fld>
             <a:endParaRPr lang="zh-CN" altLang="en-US"/>
           </a:p>
@@ -7556,7 +7556,7 @@
           <a:p>
             <a:fld id="{1FABB6DF-9E5C-4DE0-BA79-ED2A3450241C}" type="datetimeFigureOut">
               <a:rPr lang="zh-CN" altLang="en-US" smtClean="0"/>
-              <a:t>2020/12/5</a:t>
+              <a:t>2020/12/6</a:t>
             </a:fld>
             <a:endParaRPr lang="zh-CN" altLang="en-US"/>
           </a:p>
@@ -7844,7 +7844,7 @@
           <a:p>
             <a:fld id="{1FABB6DF-9E5C-4DE0-BA79-ED2A3450241C}" type="datetimeFigureOut">
               <a:rPr lang="zh-CN" altLang="en-US" smtClean="0"/>
-              <a:t>2020/12/5</a:t>
+              <a:t>2020/12/6</a:t>
             </a:fld>
             <a:endParaRPr lang="zh-CN" altLang="en-US"/>
           </a:p>
@@ -8085,7 +8085,7 @@
           <a:p>
             <a:fld id="{1FABB6DF-9E5C-4DE0-BA79-ED2A3450241C}" type="datetimeFigureOut">
               <a:rPr lang="zh-CN" altLang="en-US" smtClean="0"/>
-              <a:t>2020/12/5</a:t>
+              <a:t>2020/12/6</a:t>
             </a:fld>
             <a:endParaRPr lang="zh-CN" altLang="en-US"/>
           </a:p>
@@ -30035,10 +30035,10 @@
       </p:sp>
       <p:pic>
         <p:nvPicPr>
-          <p:cNvPr id="3" name="图片占位符 2" descr="图形用户界面, 应用程序, Word&#10;&#10;描述已自动生成">
+          <p:cNvPr id="14" name="图片占位符 13" descr="图片包含 图形用户界面&#10;&#10;描述已自动生成">
             <a:extLst>
               <a:ext uri="{FF2B5EF4-FFF2-40B4-BE49-F238E27FC236}">
-                <a16:creationId xmlns:a16="http://schemas.microsoft.com/office/drawing/2014/main" id="{2E569930-21BD-4556-9141-CAADF7C7CF1A}"/>
+                <a16:creationId xmlns:a16="http://schemas.microsoft.com/office/drawing/2014/main" id="{7CC03A95-0D22-4809-B9D3-68580E18FAD5}"/>
               </a:ext>
             </a:extLst>
           </p:cNvPr>
@@ -30057,14 +30057,14 @@
               </a:ext>
             </a:extLst>
           </a:blip>
-          <a:srcRect l="21720" r="21720"/>
+          <a:srcRect l="14816" r="14816"/>
           <a:stretch>
             <a:fillRect/>
           </a:stretch>
         </p:blipFill>
         <p:spPr>
           <a:xfrm>
-            <a:off x="6096000" y="1873250"/>
+            <a:off x="6096000" y="1868487"/>
             <a:ext cx="4425950" cy="2794000"/>
           </a:xfrm>
         </p:spPr>
@@ -44914,6 +44914,21 @@
 </file>
 
 <file path=customXml/item1.xml><?xml version="1.0" encoding="utf-8"?>
+<p:properties xmlns:p="http://schemas.microsoft.com/office/2006/metadata/properties" xmlns:xsi="http://www.w3.org/2001/XMLSchema-instance" xmlns:pc="http://schemas.microsoft.com/office/infopath/2007/PartnerControls">
+  <documentManagement/>
+</p:properties>
+</file>
+
+<file path=customXml/item2.xml><?xml version="1.0" encoding="utf-8"?>
+<?mso-contentType ?>
+<FormTemplates xmlns="http://schemas.microsoft.com/sharepoint/v3/contenttype/forms">
+  <Display>DocumentLibraryForm</Display>
+  <Edit>DocumentLibraryForm</Edit>
+  <New>DocumentLibraryForm</New>
+</FormTemplates>
+</file>
+
+<file path=customXml/item3.xml><?xml version="1.0" encoding="utf-8"?>
 <ct:contentTypeSchema xmlns:ct="http://schemas.microsoft.com/office/2006/metadata/contentType" xmlns:ma="http://schemas.microsoft.com/office/2006/metadata/properties/metaAttributes" ct:_="" ma:_="" ma:contentTypeName="Document" ma:contentTypeID="0x010100F194C9C780C4C040AE6C89772A3DC744" ma:contentTypeVersion="12" ma:contentTypeDescription="Create a new document." ma:contentTypeScope="" ma:versionID="1f8658d842370b7a8a04820b529ee78f">
   <xsd:schema xmlns:xsd="http://www.w3.org/2001/XMLSchema" xmlns:xs="http://www.w3.org/2001/XMLSchema" xmlns:p="http://schemas.microsoft.com/office/2006/metadata/properties" xmlns:ns3="e9c330ea-02ed-40ee-9672-80ec4d94c78d" xmlns:ns4="86e43e0c-8ac5-4040-99bd-c6dd6bd14735" targetNamespace="http://schemas.microsoft.com/office/2006/metadata/properties" ma:root="true" ma:fieldsID="11205be41cf5423173d875af66b3c4ef" ns3:_="" ns4:_="">
     <xsd:import namespace="e9c330ea-02ed-40ee-9672-80ec4d94c78d"/>
@@ -45130,22 +45145,32 @@
 </ct:contentTypeSchema>
 </file>
 
-<file path=customXml/item2.xml><?xml version="1.0" encoding="utf-8"?>
-<?mso-contentType ?>
-<FormTemplates xmlns="http://schemas.microsoft.com/sharepoint/v3/contenttype/forms">
-  <Display>DocumentLibraryForm</Display>
-  <Edit>DocumentLibraryForm</Edit>
-  <New>DocumentLibraryForm</New>
-</FormTemplates>
+<file path=customXml/itemProps1.xml><?xml version="1.0" encoding="utf-8"?>
+<ds:datastoreItem xmlns:ds="http://schemas.openxmlformats.org/officeDocument/2006/customXml" ds:itemID="{328C3344-E5FD-4F86-B5CA-4D6A47BEA1B5}">
+  <ds:schemaRefs>
+    <ds:schemaRef ds:uri="http://schemas.microsoft.com/office/2006/documentManagement/types"/>
+    <ds:schemaRef ds:uri="http://schemas.microsoft.com/office/infopath/2007/PartnerControls"/>
+    <ds:schemaRef ds:uri="http://purl.org/dc/elements/1.1/"/>
+    <ds:schemaRef ds:uri="http://schemas.microsoft.com/office/2006/metadata/properties"/>
+    <ds:schemaRef ds:uri="http://purl.org/dc/terms/"/>
+    <ds:schemaRef ds:uri="e9c330ea-02ed-40ee-9672-80ec4d94c78d"/>
+    <ds:schemaRef ds:uri="http://schemas.openxmlformats.org/package/2006/metadata/core-properties"/>
+    <ds:schemaRef ds:uri="86e43e0c-8ac5-4040-99bd-c6dd6bd14735"/>
+    <ds:schemaRef ds:uri="http://www.w3.org/XML/1998/namespace"/>
+    <ds:schemaRef ds:uri="http://purl.org/dc/dcmitype/"/>
+  </ds:schemaRefs>
+</ds:datastoreItem>
 </file>
 
-<file path=customXml/item3.xml><?xml version="1.0" encoding="utf-8"?>
-<p:properties xmlns:p="http://schemas.microsoft.com/office/2006/metadata/properties" xmlns:xsi="http://www.w3.org/2001/XMLSchema-instance" xmlns:pc="http://schemas.microsoft.com/office/infopath/2007/PartnerControls">
-  <documentManagement/>
-</p:properties>
+<file path=customXml/itemProps2.xml><?xml version="1.0" encoding="utf-8"?>
+<ds:datastoreItem xmlns:ds="http://schemas.openxmlformats.org/officeDocument/2006/customXml" ds:itemID="{26AB3EF0-DDAD-4CCD-A86C-71FE9129189D}">
+  <ds:schemaRefs>
+    <ds:schemaRef ds:uri="http://schemas.microsoft.com/sharepoint/v3/contenttype/forms"/>
+  </ds:schemaRefs>
+</ds:datastoreItem>
 </file>
 
-<file path=customXml/itemProps1.xml><?xml version="1.0" encoding="utf-8"?>
+<file path=customXml/itemProps3.xml><?xml version="1.0" encoding="utf-8"?>
 <ds:datastoreItem xmlns:ds="http://schemas.openxmlformats.org/officeDocument/2006/customXml" ds:itemID="{CB401B74-2FDA-40C8-AC26-0D7DC32BD2F2}">
   <ds:schemaRefs>
     <ds:schemaRef ds:uri="http://schemas.microsoft.com/office/2006/metadata/contentType"/>
@@ -45162,29 +45187,4 @@
     <ds:schemaRef ds:uri="http://schemas.microsoft.com/internal/obd"/>
   </ds:schemaRefs>
 </ds:datastoreItem>
-</file>
-
-<file path=customXml/itemProps2.xml><?xml version="1.0" encoding="utf-8"?>
-<ds:datastoreItem xmlns:ds="http://schemas.openxmlformats.org/officeDocument/2006/customXml" ds:itemID="{26AB3EF0-DDAD-4CCD-A86C-71FE9129189D}">
-  <ds:schemaRefs>
-    <ds:schemaRef ds:uri="http://schemas.microsoft.com/sharepoint/v3/contenttype/forms"/>
-  </ds:schemaRefs>
-</ds:datastoreItem>
-</file>
-
-<file path=customXml/itemProps3.xml><?xml version="1.0" encoding="utf-8"?>
-<ds:datastoreItem xmlns:ds="http://schemas.openxmlformats.org/officeDocument/2006/customXml" ds:itemID="{328C3344-E5FD-4F86-B5CA-4D6A47BEA1B5}">
-  <ds:schemaRefs>
-    <ds:schemaRef ds:uri="http://schemas.microsoft.com/office/2006/documentManagement/types"/>
-    <ds:schemaRef ds:uri="http://schemas.microsoft.com/office/infopath/2007/PartnerControls"/>
-    <ds:schemaRef ds:uri="http://purl.org/dc/elements/1.1/"/>
-    <ds:schemaRef ds:uri="http://schemas.microsoft.com/office/2006/metadata/properties"/>
-    <ds:schemaRef ds:uri="http://purl.org/dc/terms/"/>
-    <ds:schemaRef ds:uri="e9c330ea-02ed-40ee-9672-80ec4d94c78d"/>
-    <ds:schemaRef ds:uri="http://schemas.openxmlformats.org/package/2006/metadata/core-properties"/>
-    <ds:schemaRef ds:uri="86e43e0c-8ac5-4040-99bd-c6dd6bd14735"/>
-    <ds:schemaRef ds:uri="http://www.w3.org/XML/1998/namespace"/>
-    <ds:schemaRef ds:uri="http://purl.org/dc/dcmitype/"/>
-  </ds:schemaRefs>
-</ds:datastoreItem>
 </file>
--- a/unessay.pptx
+++ b/unessay.pptx
@@ -30035,10 +30035,10 @@
       </p:sp>
       <p:pic>
         <p:nvPicPr>
-          <p:cNvPr id="14" name="图片占位符 13" descr="图片包含 图形用户界面&#10;&#10;描述已自动生成">
+          <p:cNvPr id="3" name="图片占位符 2" descr="图形用户界面, 应用程序, Word&#10;&#10;描述已自动生成">
             <a:extLst>
               <a:ext uri="{FF2B5EF4-FFF2-40B4-BE49-F238E27FC236}">
-                <a16:creationId xmlns:a16="http://schemas.microsoft.com/office/drawing/2014/main" id="{7CC03A95-0D22-4809-B9D3-68580E18FAD5}"/>
+                <a16:creationId xmlns:a16="http://schemas.microsoft.com/office/drawing/2014/main" id="{2E569930-21BD-4556-9141-CAADF7C7CF1A}"/>
               </a:ext>
             </a:extLst>
           </p:cNvPr>
@@ -30057,14 +30057,14 @@
               </a:ext>
             </a:extLst>
           </a:blip>
-          <a:srcRect l="14816" r="14816"/>
+          <a:srcRect l="21720" r="21720"/>
           <a:stretch>
             <a:fillRect/>
           </a:stretch>
         </p:blipFill>
         <p:spPr>
           <a:xfrm>
-            <a:off x="6096000" y="1868487"/>
+            <a:off x="6096000" y="1873250"/>
             <a:ext cx="4425950" cy="2794000"/>
           </a:xfrm>
         </p:spPr>
@@ -42547,8 +42547,8 @@
         </p:nvSpPr>
         <p:spPr>
           <a:xfrm>
-            <a:off x="3076073" y="3411716"/>
-            <a:ext cx="5870248" cy="894347"/>
+            <a:off x="3245677" y="3488075"/>
+            <a:ext cx="5870248" cy="458202"/>
           </a:xfrm>
           <a:prstGeom prst="rect">
             <a:avLst/>
@@ -42573,61 +42573,14 @@
                 <a:spcPct val="200000"/>
               </a:lnSpc>
             </a:pPr>
-            <a:r>
-              <a:rPr lang="en-US" altLang="zh-CN" sz="1400" dirty="0">
-                <a:solidFill>
-                  <a:schemeClr val="bg1"/>
-                </a:solidFill>
-                <a:latin typeface="inpin heiti" panose="00000500000000000000" pitchFamily="2" charset="-122"/>
-                <a:ea typeface="inpin heiti" panose="00000500000000000000" pitchFamily="2" charset="-122"/>
-                <a:sym typeface="inpin heiti" panose="00000500000000000000" pitchFamily="2" charset="-122"/>
-              </a:rPr>
-              <a:t>Looking into the sunset I can‘t help but </a:t>
-            </a:r>
-            <a:r>
-              <a:rPr lang="en-US" altLang="zh-CN" sz="1400" dirty="0" err="1">
-                <a:solidFill>
-                  <a:schemeClr val="bg1"/>
-                </a:solidFill>
-                <a:latin typeface="inpin heiti" panose="00000500000000000000" pitchFamily="2" charset="-122"/>
-                <a:ea typeface="inpin heiti" panose="00000500000000000000" pitchFamily="2" charset="-122"/>
-                <a:sym typeface="inpin heiti" panose="00000500000000000000" pitchFamily="2" charset="-122"/>
-              </a:rPr>
-              <a:t>noticethat</a:t>
-            </a:r>
-            <a:r>
-              <a:rPr lang="en-US" altLang="zh-CN" sz="1400" dirty="0">
-                <a:solidFill>
-                  <a:schemeClr val="bg1"/>
-                </a:solidFill>
-                <a:latin typeface="inpin heiti" panose="00000500000000000000" pitchFamily="2" charset="-122"/>
-                <a:ea typeface="inpin heiti" panose="00000500000000000000" pitchFamily="2" charset="-122"/>
-                <a:sym typeface="inpin heiti" panose="00000500000000000000" pitchFamily="2" charset="-122"/>
-              </a:rPr>
-              <a:t> despite her </a:t>
-            </a:r>
-            <a:r>
-              <a:rPr lang="en-US" altLang="zh-CN" sz="1400" dirty="0" err="1">
-                <a:solidFill>
-                  <a:schemeClr val="bg1"/>
-                </a:solidFill>
-                <a:latin typeface="inpin heiti" panose="00000500000000000000" pitchFamily="2" charset="-122"/>
-                <a:ea typeface="inpin heiti" panose="00000500000000000000" pitchFamily="2" charset="-122"/>
-                <a:sym typeface="inpin heiti" panose="00000500000000000000" pitchFamily="2" charset="-122"/>
-              </a:rPr>
-              <a:t>beauty,a</a:t>
-            </a:r>
-            <a:r>
-              <a:rPr lang="en-US" altLang="zh-CN" sz="1400" dirty="0">
-                <a:solidFill>
-                  <a:schemeClr val="bg1"/>
-                </a:solidFill>
-                <a:latin typeface="inpin heiti" panose="00000500000000000000" pitchFamily="2" charset="-122"/>
-                <a:ea typeface="inpin heiti" panose="00000500000000000000" pitchFamily="2" charset="-122"/>
-                <a:sym typeface="inpin heiti" panose="00000500000000000000" pitchFamily="2" charset="-122"/>
-              </a:rPr>
-              <a:t> sense of struggle and hopeless surround the sky .</a:t>
-            </a:r>
+            <a:endParaRPr lang="en-US" altLang="zh-CN" sz="1400" dirty="0">
+              <a:solidFill>
+                <a:schemeClr val="bg1"/>
+              </a:solidFill>
+              <a:latin typeface="inpin heiti" panose="00000500000000000000" pitchFamily="2" charset="-122"/>
+              <a:ea typeface="inpin heiti" panose="00000500000000000000" pitchFamily="2" charset="-122"/>
+              <a:sym typeface="inpin heiti" panose="00000500000000000000" pitchFamily="2" charset="-122"/>
+            </a:endParaRPr>
           </a:p>
         </p:txBody>
       </p:sp>
@@ -42828,10 +42781,15 @@
                                 </p:cTn>
                               </p:par>
                               <p:par>
-                                <p:cTn id="8" presetID="2" presetClass="entr" presetSubtype="2" decel="100000" fill="hold" grpId="0" nodeType="withEffect">
+                                <p:cTn id="8" presetID="2" presetClass="entr" presetSubtype="2" decel="100000" fill="hold" grpId="0" nodeType="withEffect" nodePh="1">
                                   <p:stCondLst>
                                     <p:cond delay="2250"/>
                                   </p:stCondLst>
+                                  <p:endCondLst>
+                                    <p:cond evt="begin" delay="0">
+                                      <p:tn val="8"/>
+                                    </p:cond>
+                                  </p:endCondLst>
                                   <p:childTnLst>
                                     <p:set>
                                       <p:cBhvr>
